--- a/project_presentation.pptx
+++ b/project_presentation.pptx
@@ -8,6 +8,13 @@
   <p:sldIdLst>
     <p:sldId id="256" r:id="rId4"/>
     <p:sldId id="257" r:id="rId5"/>
+    <p:sldId id="258" r:id="rId6"/>
+    <p:sldId id="259" r:id="rId7"/>
+    <p:sldId id="260" r:id="rId8"/>
+    <p:sldId id="261" r:id="rId9"/>
+    <p:sldId id="262" r:id="rId10"/>
+    <p:sldId id="263" r:id="rId11"/>
+    <p:sldId id="264" r:id="rId12"/>
   </p:sldIdLst>
   <p:sldSz cx="10080625" cy="7559675"/>
   <p:notesSz cx="7559675" cy="10691812"/>
@@ -2945,7 +2952,7 @@
               <a:rPr b="0" lang="en-US" sz="1400" spc="-1" strike="noStrike">
                 <a:latin typeface="Times New Roman"/>
               </a:rPr>
-              <a:t>&lt;date/time&gt;</a:t>
+              <a:t>03/06/21</a:t>
             </a:r>
             <a:endParaRPr b="0" lang="en-US" sz="1400" spc="-1" strike="noStrike">
               <a:latin typeface="Times New Roman"/>
@@ -2980,7 +2987,7 @@
               <a:rPr b="0" lang="en-US" sz="1400" spc="-1" strike="noStrike">
                 <a:latin typeface="Times New Roman"/>
               </a:rPr>
-              <a:t>&lt;footer&gt;</a:t>
+              <a:t> </a:t>
             </a:r>
             <a:endParaRPr b="0" lang="en-US" sz="1400" spc="-1" strike="noStrike">
               <a:latin typeface="Times New Roman"/>
@@ -3011,11 +3018,11 @@
           <a:bodyPr lIns="0" rIns="0" tIns="0" bIns="0"/>
           <a:p>
             <a:pPr algn="r"/>
-            <a:fld id="{7F5FA01C-3901-4871-863C-D8B7425D9E8C}" type="slidenum">
+            <a:fld id="{0101443A-1248-4D89-B92A-3F4799062A4F}" type="slidenum">
               <a:rPr b="0" lang="en-US" sz="1400" spc="-1" strike="noStrike">
                 <a:latin typeface="Times New Roman"/>
               </a:rPr>
-              <a:t>&lt;number&gt;</a:t>
+              <a:t>8</a:t>
             </a:fld>
             <a:endParaRPr b="0" lang="en-US" sz="1400" spc="-1" strike="noStrike">
               <a:latin typeface="Times New Roman"/>
@@ -3376,7 +3383,7 @@
           <a:bodyPr lIns="0" rIns="0" tIns="0" bIns="0"/>
           <a:p>
             <a:pPr algn="r"/>
-            <a:fld id="{79C7C5E6-A265-46D2-A6BE-8459B5207A0D}" type="slidenum">
+            <a:fld id="{9E00B5BA-649B-449F-A5D6-8FFF00E26E67}" type="slidenum">
               <a:rPr b="0" lang="en-US" sz="1400" spc="-1" strike="noStrike">
                 <a:latin typeface="Times New Roman"/>
               </a:rPr>
@@ -3451,7 +3458,19 @@
               <a:rPr b="0" lang="en-US" sz="4400" spc="-1" strike="noStrike">
                 <a:latin typeface="Arial"/>
               </a:rPr>
-              <a:t>Weather/HikeTrail Web App</a:t>
+              <a:t>	</a:t>
+            </a:r>
+            <a:r>
+              <a:rPr b="0" lang="en-US" sz="4400" spc="-1" strike="noStrike">
+                <a:latin typeface="Arial"/>
+              </a:rPr>
+              <a:t>	</a:t>
+            </a:r>
+            <a:r>
+              <a:rPr b="0" lang="en-US" sz="4400" spc="-1" strike="noStrike">
+                <a:latin typeface="Arial"/>
+              </a:rPr>
+              <a:t>Weather &amp; Hike Trails Web App</a:t>
             </a:r>
             <a:endParaRPr b="0" lang="en-US" sz="4400" spc="-1" strike="noStrike">
               <a:latin typeface="Arial"/>
@@ -3467,8 +3486,8 @@
         </p:nvSpPr>
         <p:spPr>
           <a:xfrm>
-            <a:off x="4032360" y="3854520"/>
-            <a:ext cx="5183640" cy="969480"/>
+            <a:off x="4032360" y="3655440"/>
+            <a:ext cx="5183640" cy="1367640"/>
           </a:xfrm>
           <a:prstGeom prst="rect">
             <a:avLst/>
@@ -3486,8 +3505,14 @@
               <a:rPr b="0" lang="en-US" sz="3200" spc="-1" strike="noStrike">
                 <a:latin typeface="Arial"/>
               </a:rPr>
-              <a:t>Shweta Korulkar</a:t>
+              <a:t>- Shweta Korulkar</a:t>
             </a:r>
+            <a:endParaRPr b="0" lang="en-US" sz="3200" spc="-1" strike="noStrike">
+              <a:latin typeface="Arial"/>
+            </a:endParaRPr>
+          </a:p>
+          <a:p>
+            <a:pPr algn="ctr"/>
             <a:endParaRPr b="0" lang="en-US" sz="3200" spc="-1" strike="noStrike">
               <a:latin typeface="Arial"/>
             </a:endParaRPr>
@@ -3498,7 +3523,7 @@
               <a:rPr b="0" lang="en-US" sz="3200" spc="-1" strike="noStrike">
                 <a:latin typeface="Arial"/>
               </a:rPr>
-              <a:t>Harsha </a:t>
+              <a:t>- Harsha Ramayanam</a:t>
             </a:r>
             <a:endParaRPr b="0" lang="en-US" sz="3200" spc="-1" strike="noStrike">
               <a:latin typeface="Arial"/>
@@ -3582,6 +3607,12 @@
           <a:bodyPr lIns="0" rIns="0" tIns="0" bIns="0" anchor="ctr"/>
           <a:p>
             <a:pPr algn="ctr"/>
+            <a:r>
+              <a:rPr b="0" lang="en-US" sz="4400" spc="-1" strike="noStrike">
+                <a:latin typeface="Arial"/>
+              </a:rPr>
+              <a:t>Weather App</a:t>
+            </a:r>
             <a:endParaRPr b="0" lang="en-US" sz="4400" spc="-1" strike="noStrike">
               <a:latin typeface="Arial"/>
             </a:endParaRPr>
@@ -3616,6 +3647,77 @@
             <a:normAutofit/>
           </a:bodyPr>
           <a:p>
+            <a:pPr marL="432000" indent="-324000">
+              <a:spcAft>
+                <a:spcPts val="1417"/>
+              </a:spcAft>
+              <a:buClr>
+                <a:srgbClr val="000000"/>
+              </a:buClr>
+              <a:buSzPct val="45000"/>
+              <a:buFont typeface="Wingdings" charset="2"/>
+              <a:buChar char=""/>
+            </a:pPr>
+            <a:r>
+              <a:rPr b="0" lang="en-US" sz="3200" spc="-1" strike="noStrike">
+                <a:latin typeface="Arial"/>
+              </a:rPr>
+              <a:t>To check weather of any location.</a:t>
+            </a:r>
+            <a:endParaRPr b="0" lang="en-US" sz="3200" spc="-1" strike="noStrike">
+              <a:latin typeface="Arial"/>
+            </a:endParaRPr>
+          </a:p>
+          <a:p>
+            <a:pPr marL="432000" indent="-324000">
+              <a:spcAft>
+                <a:spcPts val="1417"/>
+              </a:spcAft>
+              <a:buClr>
+                <a:srgbClr val="000000"/>
+              </a:buClr>
+              <a:buSzPct val="45000"/>
+              <a:buFont typeface="Wingdings" charset="2"/>
+              <a:buChar char=""/>
+            </a:pPr>
+            <a:endParaRPr b="0" lang="en-US" sz="3200" spc="-1" strike="noStrike">
+              <a:latin typeface="Arial"/>
+            </a:endParaRPr>
+          </a:p>
+          <a:p>
+            <a:pPr marL="432000" indent="-324000">
+              <a:spcAft>
+                <a:spcPts val="1417"/>
+              </a:spcAft>
+              <a:buClr>
+                <a:srgbClr val="000000"/>
+              </a:buClr>
+              <a:buSzPct val="45000"/>
+              <a:buFont typeface="Wingdings" charset="2"/>
+              <a:buChar char=""/>
+            </a:pPr>
+            <a:r>
+              <a:rPr b="0" lang="en-US" sz="3200" spc="-1" strike="noStrike">
+                <a:latin typeface="Arial"/>
+              </a:rPr>
+              <a:t>Check weather and check for a hike.</a:t>
+            </a:r>
+            <a:endParaRPr b="0" lang="en-US" sz="3200" spc="-1" strike="noStrike">
+              <a:latin typeface="Arial"/>
+            </a:endParaRPr>
+          </a:p>
+          <a:p>
+            <a:pPr marL="432000" indent="-324000">
+              <a:spcAft>
+                <a:spcPts val="1417"/>
+              </a:spcAft>
+              <a:buClr>
+                <a:srgbClr val="000000"/>
+              </a:buClr>
+              <a:buSzPct val="45000"/>
+              <a:buFont typeface="Wingdings" charset="2"/>
+              <a:buChar char=""/>
+            </a:pPr>
             <a:endParaRPr b="0" lang="en-US" sz="3200" spc="-1" strike="noStrike">
               <a:latin typeface="Arial"/>
             </a:endParaRPr>
@@ -3631,6 +3733,1239 @@
           <p:childTnLst>
             <p:seq>
               <p:cTn id="4" dur="indefinite" nodeType="mainSeq"/>
+              <p:prevCondLst>
+                <p:cond delay="0" evt="onPrev">
+                  <p:tgtEl>
+                    <p:sldTgt/>
+                  </p:tgtEl>
+                </p:cond>
+              </p:prevCondLst>
+              <p:nextCondLst>
+                <p:cond delay="0" evt="onNext">
+                  <p:tgtEl>
+                    <p:sldTgt/>
+                  </p:tgtEl>
+                </p:cond>
+              </p:nextCondLst>
+            </p:seq>
+          </p:childTnLst>
+        </p:cTn>
+      </p:par>
+    </p:tnLst>
+  </p:timing>
+</p:sld>
+</file>
+
+<file path=ppt/slides/slide3.xml><?xml version="1.0" encoding="utf-8"?>
+<p:sld xmlns:a="http://schemas.openxmlformats.org/drawingml/2006/main" xmlns:p="http://schemas.openxmlformats.org/presentationml/2006/main" xmlns:r="http://schemas.openxmlformats.org/officeDocument/2006/relationships" xmlns:p14="http://schemas.microsoft.com/office/powerpoint/2010/main" xmlns:p15="http://schemas.microsoft.com/office/powerpoint/2012/main" xmlns:mc="http://schemas.openxmlformats.org/markup-compatibility/2006">
+  <p:cSld>
+    <p:spTree>
+      <p:nvGrpSpPr>
+        <p:cNvPr id="1" name=""/>
+        <p:cNvGrpSpPr/>
+        <p:nvPr/>
+      </p:nvGrpSpPr>
+      <p:grpSpPr>
+        <a:xfrm>
+          <a:off x="0" y="0"/>
+          <a:ext cx="0" cy="0"/>
+          <a:chOff x="0" y="0"/>
+          <a:chExt cx="0" cy="0"/>
+        </a:xfrm>
+      </p:grpSpPr>
+      <p:sp>
+        <p:nvSpPr>
+          <p:cNvPr id="86" name="TextShape 1"/>
+          <p:cNvSpPr txBox="1"/>
+          <p:nvPr/>
+        </p:nvSpPr>
+        <p:spPr>
+          <a:xfrm>
+            <a:off x="504000" y="301320"/>
+            <a:ext cx="9071640" cy="1262160"/>
+          </a:xfrm>
+          <a:prstGeom prst="rect">
+            <a:avLst/>
+          </a:prstGeom>
+          <a:solidFill>
+            <a:srgbClr val="ffffff">
+              <a:alpha val="50000"/>
+            </a:srgbClr>
+          </a:solidFill>
+          <a:ln>
+            <a:noFill/>
+          </a:ln>
+        </p:spPr>
+        <p:txBody>
+          <a:bodyPr lIns="0" rIns="0" tIns="0" bIns="0" anchor="ctr"/>
+          <a:p>
+            <a:pPr algn="ctr"/>
+            <a:r>
+              <a:rPr b="0" lang="en-US" sz="4400" spc="-1" strike="noStrike">
+                <a:latin typeface="Arial"/>
+              </a:rPr>
+              <a:t>Features</a:t>
+            </a:r>
+            <a:endParaRPr b="0" lang="en-US" sz="4400" spc="-1" strike="noStrike">
+              <a:latin typeface="Arial"/>
+            </a:endParaRPr>
+          </a:p>
+        </p:txBody>
+      </p:sp>
+      <p:sp>
+        <p:nvSpPr>
+          <p:cNvPr id="87" name="TextShape 2"/>
+          <p:cNvSpPr txBox="1"/>
+          <p:nvPr/>
+        </p:nvSpPr>
+        <p:spPr>
+          <a:xfrm>
+            <a:off x="504000" y="1769040"/>
+            <a:ext cx="9071640" cy="4854960"/>
+          </a:xfrm>
+          <a:prstGeom prst="rect">
+            <a:avLst/>
+          </a:prstGeom>
+          <a:solidFill>
+            <a:srgbClr val="ffffff">
+              <a:alpha val="50000"/>
+            </a:srgbClr>
+          </a:solidFill>
+          <a:ln>
+            <a:noFill/>
+          </a:ln>
+        </p:spPr>
+        <p:txBody>
+          <a:bodyPr lIns="0" rIns="0" tIns="0" bIns="0">
+            <a:normAutofit/>
+          </a:bodyPr>
+          <a:p>
+            <a:pPr marL="432000" indent="-324000">
+              <a:spcAft>
+                <a:spcPts val="1417"/>
+              </a:spcAft>
+              <a:buClr>
+                <a:srgbClr val="000000"/>
+              </a:buClr>
+              <a:buSzPct val="45000"/>
+              <a:buFont typeface="Wingdings" charset="2"/>
+              <a:buChar char=""/>
+            </a:pPr>
+            <a:r>
+              <a:rPr b="0" lang="en-US" sz="3200" spc="-1" strike="noStrike">
+                <a:latin typeface="Arial"/>
+              </a:rPr>
+              <a:t>Search weather by City Name.</a:t>
+            </a:r>
+            <a:endParaRPr b="0" lang="en-US" sz="3200" spc="-1" strike="noStrike">
+              <a:latin typeface="Arial"/>
+            </a:endParaRPr>
+          </a:p>
+          <a:p>
+            <a:pPr marL="432000" indent="-324000">
+              <a:spcAft>
+                <a:spcPts val="1417"/>
+              </a:spcAft>
+              <a:buClr>
+                <a:srgbClr val="000000"/>
+              </a:buClr>
+              <a:buSzPct val="45000"/>
+              <a:buFont typeface="Wingdings" charset="2"/>
+              <a:buChar char=""/>
+            </a:pPr>
+            <a:r>
+              <a:rPr b="0" lang="en-US" sz="3200" spc="-1" strike="noStrike">
+                <a:latin typeface="Arial"/>
+              </a:rPr>
+              <a:t>Geo location </a:t>
+            </a:r>
+            <a:endParaRPr b="0" lang="en-US" sz="3200" spc="-1" strike="noStrike">
+              <a:latin typeface="Arial"/>
+            </a:endParaRPr>
+          </a:p>
+          <a:p>
+            <a:pPr marL="432000" indent="-324000">
+              <a:spcAft>
+                <a:spcPts val="1417"/>
+              </a:spcAft>
+              <a:buClr>
+                <a:srgbClr val="000000"/>
+              </a:buClr>
+              <a:buSzPct val="45000"/>
+              <a:buFont typeface="Wingdings" charset="2"/>
+              <a:buChar char=""/>
+            </a:pPr>
+            <a:r>
+              <a:rPr b="0" lang="en-US" sz="3200" spc="-1" strike="noStrike">
+                <a:latin typeface="Arial"/>
+              </a:rPr>
+              <a:t>Get 5 days weather forecast</a:t>
+            </a:r>
+            <a:endParaRPr b="0" lang="en-US" sz="3200" spc="-1" strike="noStrike">
+              <a:latin typeface="Arial"/>
+            </a:endParaRPr>
+          </a:p>
+          <a:p>
+            <a:pPr marL="432000" indent="-324000">
+              <a:spcAft>
+                <a:spcPts val="1417"/>
+              </a:spcAft>
+              <a:buClr>
+                <a:srgbClr val="000000"/>
+              </a:buClr>
+              <a:buSzPct val="45000"/>
+              <a:buFont typeface="Wingdings" charset="2"/>
+              <a:buChar char=""/>
+            </a:pPr>
+            <a:r>
+              <a:rPr b="0" lang="en-US" sz="3200" spc="-1" strike="noStrike">
+                <a:latin typeface="Arial"/>
+              </a:rPr>
+              <a:t>Get 24 hours weather information of given location.</a:t>
+            </a:r>
+            <a:endParaRPr b="0" lang="en-US" sz="3200" spc="-1" strike="noStrike">
+              <a:latin typeface="Arial"/>
+            </a:endParaRPr>
+          </a:p>
+          <a:p>
+            <a:pPr marL="432000" indent="-324000">
+              <a:spcAft>
+                <a:spcPts val="1417"/>
+              </a:spcAft>
+              <a:buClr>
+                <a:srgbClr val="000000"/>
+              </a:buClr>
+              <a:buSzPct val="45000"/>
+              <a:buFont typeface="Wingdings" charset="2"/>
+              <a:buChar char=""/>
+            </a:pPr>
+            <a:r>
+              <a:rPr b="0" lang="en-US" sz="3200" spc="-1" strike="noStrike">
+                <a:latin typeface="Arial"/>
+              </a:rPr>
+              <a:t>Link to home page and hike page</a:t>
+            </a:r>
+            <a:endParaRPr b="0" lang="en-US" sz="3200" spc="-1" strike="noStrike">
+              <a:latin typeface="Arial"/>
+            </a:endParaRPr>
+          </a:p>
+          <a:p>
+            <a:pPr marL="432000" indent="-324000">
+              <a:spcAft>
+                <a:spcPts val="1417"/>
+              </a:spcAft>
+              <a:buClr>
+                <a:srgbClr val="000000"/>
+              </a:buClr>
+              <a:buSzPct val="45000"/>
+              <a:buFont typeface="Wingdings" charset="2"/>
+              <a:buChar char=""/>
+            </a:pPr>
+            <a:r>
+              <a:rPr b="0" lang="en-US" sz="3200" spc="-1" strike="noStrike">
+                <a:latin typeface="Arial"/>
+              </a:rPr>
+              <a:t>Changing background image according to weather condition.</a:t>
+            </a:r>
+            <a:endParaRPr b="0" lang="en-US" sz="3200" spc="-1" strike="noStrike">
+              <a:latin typeface="Arial"/>
+            </a:endParaRPr>
+          </a:p>
+        </p:txBody>
+      </p:sp>
+    </p:spTree>
+  </p:cSld>
+  <p:timing>
+    <p:tnLst>
+      <p:par>
+        <p:cTn id="5" dur="indefinite" restart="never" nodeType="tmRoot">
+          <p:childTnLst>
+            <p:seq>
+              <p:cTn id="6" dur="indefinite" nodeType="mainSeq"/>
+              <p:prevCondLst>
+                <p:cond delay="0" evt="onPrev">
+                  <p:tgtEl>
+                    <p:sldTgt/>
+                  </p:tgtEl>
+                </p:cond>
+              </p:prevCondLst>
+              <p:nextCondLst>
+                <p:cond delay="0" evt="onNext">
+                  <p:tgtEl>
+                    <p:sldTgt/>
+                  </p:tgtEl>
+                </p:cond>
+              </p:nextCondLst>
+            </p:seq>
+          </p:childTnLst>
+        </p:cTn>
+      </p:par>
+    </p:tnLst>
+  </p:timing>
+</p:sld>
+</file>
+
+<file path=ppt/slides/slide4.xml><?xml version="1.0" encoding="utf-8"?>
+<p:sld xmlns:a="http://schemas.openxmlformats.org/drawingml/2006/main" xmlns:p="http://schemas.openxmlformats.org/presentationml/2006/main" xmlns:r="http://schemas.openxmlformats.org/officeDocument/2006/relationships" xmlns:p14="http://schemas.microsoft.com/office/powerpoint/2010/main" xmlns:p15="http://schemas.microsoft.com/office/powerpoint/2012/main" xmlns:mc="http://schemas.openxmlformats.org/markup-compatibility/2006">
+  <p:cSld>
+    <p:spTree>
+      <p:nvGrpSpPr>
+        <p:cNvPr id="1" name=""/>
+        <p:cNvGrpSpPr/>
+        <p:nvPr/>
+      </p:nvGrpSpPr>
+      <p:grpSpPr>
+        <a:xfrm>
+          <a:off x="0" y="0"/>
+          <a:ext cx="0" cy="0"/>
+          <a:chOff x="0" y="0"/>
+          <a:chExt cx="0" cy="0"/>
+        </a:xfrm>
+      </p:grpSpPr>
+      <p:sp>
+        <p:nvSpPr>
+          <p:cNvPr id="88" name="TextShape 1"/>
+          <p:cNvSpPr txBox="1"/>
+          <p:nvPr/>
+        </p:nvSpPr>
+        <p:spPr>
+          <a:xfrm>
+            <a:off x="504000" y="301320"/>
+            <a:ext cx="9071640" cy="1262160"/>
+          </a:xfrm>
+          <a:prstGeom prst="rect">
+            <a:avLst/>
+          </a:prstGeom>
+          <a:solidFill>
+            <a:srgbClr val="ffffff">
+              <a:alpha val="50000"/>
+            </a:srgbClr>
+          </a:solidFill>
+          <a:ln>
+            <a:noFill/>
+          </a:ln>
+        </p:spPr>
+        <p:txBody>
+          <a:bodyPr lIns="0" rIns="0" tIns="0" bIns="0" anchor="ctr"/>
+          <a:p>
+            <a:pPr algn="ctr"/>
+            <a:r>
+              <a:rPr b="0" lang="en-US" sz="4400" spc="-1" strike="noStrike">
+                <a:latin typeface="Arial"/>
+              </a:rPr>
+              <a:t>Stack</a:t>
+            </a:r>
+            <a:endParaRPr b="0" lang="en-US" sz="4400" spc="-1" strike="noStrike">
+              <a:latin typeface="Arial"/>
+            </a:endParaRPr>
+          </a:p>
+        </p:txBody>
+      </p:sp>
+      <p:sp>
+        <p:nvSpPr>
+          <p:cNvPr id="89" name="TextShape 2"/>
+          <p:cNvSpPr txBox="1"/>
+          <p:nvPr/>
+        </p:nvSpPr>
+        <p:spPr>
+          <a:xfrm>
+            <a:off x="504000" y="1769040"/>
+            <a:ext cx="9071640" cy="4854960"/>
+          </a:xfrm>
+          <a:prstGeom prst="rect">
+            <a:avLst/>
+          </a:prstGeom>
+          <a:solidFill>
+            <a:srgbClr val="ffffff">
+              <a:alpha val="50000"/>
+            </a:srgbClr>
+          </a:solidFill>
+          <a:ln>
+            <a:noFill/>
+          </a:ln>
+        </p:spPr>
+        <p:txBody>
+          <a:bodyPr lIns="0" rIns="0" tIns="0" bIns="0">
+            <a:normAutofit/>
+          </a:bodyPr>
+          <a:p>
+            <a:pPr marL="432000" indent="-324000">
+              <a:spcAft>
+                <a:spcPts val="1417"/>
+              </a:spcAft>
+              <a:buClr>
+                <a:srgbClr val="000000"/>
+              </a:buClr>
+              <a:buSzPct val="45000"/>
+              <a:buFont typeface="Wingdings" charset="2"/>
+              <a:buChar char=""/>
+            </a:pPr>
+            <a:endParaRPr b="0" lang="en-US" sz="3200" spc="-1" strike="noStrike">
+              <a:latin typeface="Arial"/>
+            </a:endParaRPr>
+          </a:p>
+          <a:p>
+            <a:pPr marL="432000" indent="-324000">
+              <a:spcAft>
+                <a:spcPts val="1417"/>
+              </a:spcAft>
+              <a:buClr>
+                <a:srgbClr val="000000"/>
+              </a:buClr>
+              <a:buSzPct val="45000"/>
+              <a:buFont typeface="Wingdings" charset="2"/>
+              <a:buChar char=""/>
+            </a:pPr>
+            <a:r>
+              <a:rPr b="0" lang="en-US" sz="2600" spc="-1" strike="noStrike">
+                <a:latin typeface="Arial"/>
+              </a:rPr>
+              <a:t>FRONT END → HTML5, CSS3, JAVASCRIPT, ReactJS</a:t>
+            </a:r>
+            <a:endParaRPr b="0" lang="en-US" sz="2600" spc="-1" strike="noStrike">
+              <a:latin typeface="Arial"/>
+            </a:endParaRPr>
+          </a:p>
+          <a:p>
+            <a:pPr marL="432000" indent="-324000">
+              <a:spcAft>
+                <a:spcPts val="1417"/>
+              </a:spcAft>
+              <a:buClr>
+                <a:srgbClr val="000000"/>
+              </a:buClr>
+              <a:buSzPct val="45000"/>
+              <a:buFont typeface="Wingdings" charset="2"/>
+              <a:buChar char=""/>
+            </a:pPr>
+            <a:endParaRPr b="0" lang="en-US" sz="2600" spc="-1" strike="noStrike">
+              <a:latin typeface="Arial"/>
+            </a:endParaRPr>
+          </a:p>
+          <a:p>
+            <a:pPr marL="432000" indent="-324000">
+              <a:spcAft>
+                <a:spcPts val="1417"/>
+              </a:spcAft>
+              <a:buClr>
+                <a:srgbClr val="000000"/>
+              </a:buClr>
+              <a:buSzPct val="45000"/>
+              <a:buFont typeface="Wingdings" charset="2"/>
+              <a:buChar char=""/>
+            </a:pPr>
+            <a:r>
+              <a:rPr b="0" lang="en-US" sz="2600" spc="-1" strike="noStrike">
+                <a:latin typeface="Arial"/>
+              </a:rPr>
+              <a:t>BACK END → Node.js, REST API’s</a:t>
+            </a:r>
+            <a:endParaRPr b="0" lang="en-US" sz="2600" spc="-1" strike="noStrike">
+              <a:latin typeface="Arial"/>
+            </a:endParaRPr>
+          </a:p>
+          <a:p>
+            <a:pPr marL="432000" indent="-324000">
+              <a:spcAft>
+                <a:spcPts val="1417"/>
+              </a:spcAft>
+              <a:buClr>
+                <a:srgbClr val="000000"/>
+              </a:buClr>
+              <a:buSzPct val="45000"/>
+              <a:buFont typeface="Wingdings" charset="2"/>
+              <a:buChar char=""/>
+            </a:pPr>
+            <a:endParaRPr b="0" lang="en-US" sz="2600" spc="-1" strike="noStrike">
+              <a:latin typeface="Arial"/>
+            </a:endParaRPr>
+          </a:p>
+          <a:p>
+            <a:pPr marL="432000" indent="-324000">
+              <a:spcAft>
+                <a:spcPts val="1417"/>
+              </a:spcAft>
+              <a:buClr>
+                <a:srgbClr val="000000"/>
+              </a:buClr>
+              <a:buSzPct val="45000"/>
+              <a:buFont typeface="Wingdings" charset="2"/>
+              <a:buChar char=""/>
+            </a:pPr>
+            <a:r>
+              <a:rPr b="0" lang="en-US" sz="2600" spc="-1" strike="noStrike">
+                <a:latin typeface="Arial"/>
+              </a:rPr>
+              <a:t>API used: OpenWeatherMap API</a:t>
+            </a:r>
+            <a:endParaRPr b="0" lang="en-US" sz="2600" spc="-1" strike="noStrike">
+              <a:latin typeface="Arial"/>
+            </a:endParaRPr>
+          </a:p>
+        </p:txBody>
+      </p:sp>
+    </p:spTree>
+  </p:cSld>
+  <p:timing>
+    <p:tnLst>
+      <p:par>
+        <p:cTn id="7" dur="indefinite" restart="never" nodeType="tmRoot">
+          <p:childTnLst>
+            <p:seq>
+              <p:cTn id="8" dur="indefinite" nodeType="mainSeq"/>
+              <p:prevCondLst>
+                <p:cond delay="0" evt="onPrev">
+                  <p:tgtEl>
+                    <p:sldTgt/>
+                  </p:tgtEl>
+                </p:cond>
+              </p:prevCondLst>
+              <p:nextCondLst>
+                <p:cond delay="0" evt="onNext">
+                  <p:tgtEl>
+                    <p:sldTgt/>
+                  </p:tgtEl>
+                </p:cond>
+              </p:nextCondLst>
+            </p:seq>
+          </p:childTnLst>
+        </p:cTn>
+      </p:par>
+    </p:tnLst>
+  </p:timing>
+</p:sld>
+</file>
+
+<file path=ppt/slides/slide5.xml><?xml version="1.0" encoding="utf-8"?>
+<p:sld xmlns:a="http://schemas.openxmlformats.org/drawingml/2006/main" xmlns:p="http://schemas.openxmlformats.org/presentationml/2006/main" xmlns:r="http://schemas.openxmlformats.org/officeDocument/2006/relationships" xmlns:p14="http://schemas.microsoft.com/office/powerpoint/2010/main" xmlns:p15="http://schemas.microsoft.com/office/powerpoint/2012/main" xmlns:mc="http://schemas.openxmlformats.org/markup-compatibility/2006">
+  <p:cSld>
+    <p:spTree>
+      <p:nvGrpSpPr>
+        <p:cNvPr id="1" name=""/>
+        <p:cNvGrpSpPr/>
+        <p:nvPr/>
+      </p:nvGrpSpPr>
+      <p:grpSpPr>
+        <a:xfrm>
+          <a:off x="0" y="0"/>
+          <a:ext cx="0" cy="0"/>
+          <a:chOff x="0" y="0"/>
+          <a:chExt cx="0" cy="0"/>
+        </a:xfrm>
+      </p:grpSpPr>
+      <p:sp>
+        <p:nvSpPr>
+          <p:cNvPr id="90" name="TextShape 1"/>
+          <p:cNvSpPr txBox="1"/>
+          <p:nvPr/>
+        </p:nvSpPr>
+        <p:spPr>
+          <a:xfrm>
+            <a:off x="504000" y="301320"/>
+            <a:ext cx="9071640" cy="1262160"/>
+          </a:xfrm>
+          <a:prstGeom prst="rect">
+            <a:avLst/>
+          </a:prstGeom>
+          <a:solidFill>
+            <a:srgbClr val="ffffff">
+              <a:alpha val="50000"/>
+            </a:srgbClr>
+          </a:solidFill>
+          <a:ln>
+            <a:noFill/>
+          </a:ln>
+        </p:spPr>
+        <p:txBody>
+          <a:bodyPr lIns="0" rIns="0" tIns="0" bIns="0" anchor="ctr"/>
+          <a:p>
+            <a:pPr algn="ctr"/>
+            <a:r>
+              <a:rPr b="0" lang="en-US" sz="4400" spc="-1" strike="noStrike">
+                <a:latin typeface="Arial"/>
+              </a:rPr>
+              <a:t>Problem</a:t>
+            </a:r>
+            <a:endParaRPr b="0" lang="en-US" sz="4400" spc="-1" strike="noStrike">
+              <a:latin typeface="Arial"/>
+            </a:endParaRPr>
+          </a:p>
+        </p:txBody>
+      </p:sp>
+      <p:sp>
+        <p:nvSpPr>
+          <p:cNvPr id="91" name="TextShape 2"/>
+          <p:cNvSpPr txBox="1"/>
+          <p:nvPr/>
+        </p:nvSpPr>
+        <p:spPr>
+          <a:xfrm>
+            <a:off x="504000" y="1769040"/>
+            <a:ext cx="9071640" cy="4854960"/>
+          </a:xfrm>
+          <a:prstGeom prst="rect">
+            <a:avLst/>
+          </a:prstGeom>
+          <a:solidFill>
+            <a:srgbClr val="ffffff">
+              <a:alpha val="50000"/>
+            </a:srgbClr>
+          </a:solidFill>
+          <a:ln>
+            <a:noFill/>
+          </a:ln>
+        </p:spPr>
+        <p:txBody>
+          <a:bodyPr lIns="0" rIns="0" tIns="0" bIns="0">
+            <a:normAutofit/>
+          </a:bodyPr>
+          <a:p>
+            <a:pPr marL="432000" indent="-324000">
+              <a:spcAft>
+                <a:spcPts val="1417"/>
+              </a:spcAft>
+              <a:buClr>
+                <a:srgbClr val="000000"/>
+              </a:buClr>
+              <a:buSzPct val="45000"/>
+              <a:buFont typeface="Wingdings" charset="2"/>
+              <a:buChar char=""/>
+            </a:pPr>
+            <a:r>
+              <a:rPr b="0" lang="en-US" sz="3200" spc="-1" strike="noStrike">
+                <a:latin typeface="Arial"/>
+              </a:rPr>
+              <a:t>Difficulty with displaying background image according to weather condition.</a:t>
+            </a:r>
+            <a:endParaRPr b="0" lang="en-US" sz="3200" spc="-1" strike="noStrike">
+              <a:latin typeface="Arial"/>
+            </a:endParaRPr>
+          </a:p>
+          <a:p>
+            <a:pPr marL="432000" indent="-324000">
+              <a:spcAft>
+                <a:spcPts val="1417"/>
+              </a:spcAft>
+              <a:buClr>
+                <a:srgbClr val="000000"/>
+              </a:buClr>
+              <a:buSzPct val="45000"/>
+              <a:buFont typeface="Wingdings" charset="2"/>
+              <a:buChar char=""/>
+            </a:pPr>
+            <a:endParaRPr b="0" lang="en-US" sz="3200" spc="-1" strike="noStrike">
+              <a:latin typeface="Arial"/>
+            </a:endParaRPr>
+          </a:p>
+          <a:p>
+            <a:pPr marL="432000" indent="-324000">
+              <a:spcAft>
+                <a:spcPts val="1417"/>
+              </a:spcAft>
+              <a:buClr>
+                <a:srgbClr val="000000"/>
+              </a:buClr>
+              <a:buSzPct val="45000"/>
+              <a:buFont typeface="Wingdings" charset="2"/>
+              <a:buChar char=""/>
+            </a:pPr>
+            <a:r>
+              <a:rPr b="0" lang="en-US" sz="3200" spc="-1" strike="noStrike">
+                <a:latin typeface="Arial"/>
+              </a:rPr>
+              <a:t>Tried using getElementById to display background image but didn’t worked. </a:t>
+            </a:r>
+            <a:endParaRPr b="0" lang="en-US" sz="3200" spc="-1" strike="noStrike">
+              <a:latin typeface="Arial"/>
+            </a:endParaRPr>
+          </a:p>
+        </p:txBody>
+      </p:sp>
+    </p:spTree>
+  </p:cSld>
+  <p:timing>
+    <p:tnLst>
+      <p:par>
+        <p:cTn id="9" dur="indefinite" restart="never" nodeType="tmRoot">
+          <p:childTnLst>
+            <p:seq>
+              <p:cTn id="10" dur="indefinite" nodeType="mainSeq"/>
+              <p:prevCondLst>
+                <p:cond delay="0" evt="onPrev">
+                  <p:tgtEl>
+                    <p:sldTgt/>
+                  </p:tgtEl>
+                </p:cond>
+              </p:prevCondLst>
+              <p:nextCondLst>
+                <p:cond delay="0" evt="onNext">
+                  <p:tgtEl>
+                    <p:sldTgt/>
+                  </p:tgtEl>
+                </p:cond>
+              </p:nextCondLst>
+            </p:seq>
+          </p:childTnLst>
+        </p:cTn>
+      </p:par>
+    </p:tnLst>
+  </p:timing>
+</p:sld>
+</file>
+
+<file path=ppt/slides/slide6.xml><?xml version="1.0" encoding="utf-8"?>
+<p:sld xmlns:a="http://schemas.openxmlformats.org/drawingml/2006/main" xmlns:p="http://schemas.openxmlformats.org/presentationml/2006/main" xmlns:r="http://schemas.openxmlformats.org/officeDocument/2006/relationships" xmlns:p14="http://schemas.microsoft.com/office/powerpoint/2010/main" xmlns:p15="http://schemas.microsoft.com/office/powerpoint/2012/main" xmlns:mc="http://schemas.openxmlformats.org/markup-compatibility/2006">
+  <p:cSld>
+    <p:spTree>
+      <p:nvGrpSpPr>
+        <p:cNvPr id="1" name=""/>
+        <p:cNvGrpSpPr/>
+        <p:nvPr/>
+      </p:nvGrpSpPr>
+      <p:grpSpPr>
+        <a:xfrm>
+          <a:off x="0" y="0"/>
+          <a:ext cx="0" cy="0"/>
+          <a:chOff x="0" y="0"/>
+          <a:chExt cx="0" cy="0"/>
+        </a:xfrm>
+      </p:grpSpPr>
+      <p:sp>
+        <p:nvSpPr>
+          <p:cNvPr id="92" name="TextShape 1"/>
+          <p:cNvSpPr txBox="1"/>
+          <p:nvPr/>
+        </p:nvSpPr>
+        <p:spPr>
+          <a:xfrm>
+            <a:off x="504000" y="301320"/>
+            <a:ext cx="9071640" cy="1262160"/>
+          </a:xfrm>
+          <a:prstGeom prst="rect">
+            <a:avLst/>
+          </a:prstGeom>
+          <a:solidFill>
+            <a:srgbClr val="ffffff">
+              <a:alpha val="50000"/>
+            </a:srgbClr>
+          </a:solidFill>
+          <a:ln>
+            <a:noFill/>
+          </a:ln>
+        </p:spPr>
+        <p:txBody>
+          <a:bodyPr lIns="0" rIns="0" tIns="0" bIns="0" anchor="ctr"/>
+          <a:p>
+            <a:pPr algn="ctr"/>
+            <a:r>
+              <a:rPr b="0" lang="en-US" sz="4400" spc="-1" strike="noStrike">
+                <a:latin typeface="Arial"/>
+              </a:rPr>
+              <a:t>Solution</a:t>
+            </a:r>
+            <a:endParaRPr b="0" lang="en-US" sz="4400" spc="-1" strike="noStrike">
+              <a:latin typeface="Arial"/>
+            </a:endParaRPr>
+          </a:p>
+        </p:txBody>
+      </p:sp>
+      <p:sp>
+        <p:nvSpPr>
+          <p:cNvPr id="93" name="TextShape 2"/>
+          <p:cNvSpPr txBox="1"/>
+          <p:nvPr/>
+        </p:nvSpPr>
+        <p:spPr>
+          <a:xfrm>
+            <a:off x="504000" y="1769040"/>
+            <a:ext cx="9071640" cy="4854960"/>
+          </a:xfrm>
+          <a:prstGeom prst="rect">
+            <a:avLst/>
+          </a:prstGeom>
+          <a:solidFill>
+            <a:srgbClr val="ffffff">
+              <a:alpha val="50000"/>
+            </a:srgbClr>
+          </a:solidFill>
+          <a:ln>
+            <a:noFill/>
+          </a:ln>
+        </p:spPr>
+        <p:txBody>
+          <a:bodyPr lIns="0" rIns="0" tIns="0" bIns="0">
+            <a:normAutofit/>
+          </a:bodyPr>
+          <a:p>
+            <a:pPr marL="432000" indent="-324000">
+              <a:spcAft>
+                <a:spcPts val="1417"/>
+              </a:spcAft>
+              <a:buClr>
+                <a:srgbClr val="000000"/>
+              </a:buClr>
+              <a:buSzPct val="45000"/>
+              <a:buFont typeface="Wingdings" charset="2"/>
+              <a:buChar char=""/>
+            </a:pPr>
+            <a:endParaRPr b="0" lang="en-US" sz="3200" spc="-1" strike="noStrike">
+              <a:latin typeface="Arial"/>
+            </a:endParaRPr>
+          </a:p>
+          <a:p>
+            <a:pPr marL="432000" indent="-324000">
+              <a:spcAft>
+                <a:spcPts val="1417"/>
+              </a:spcAft>
+              <a:buClr>
+                <a:srgbClr val="000000"/>
+              </a:buClr>
+              <a:buSzPct val="45000"/>
+              <a:buFont typeface="Wingdings" charset="2"/>
+              <a:buChar char=""/>
+            </a:pPr>
+            <a:r>
+              <a:rPr b="0" lang="en-US" sz="3200" spc="-1" strike="noStrike">
+                <a:latin typeface="Arial"/>
+              </a:rPr>
+              <a:t>Used style attribute to set background image according to weather condition. Also had to import all images in file.</a:t>
+            </a:r>
+            <a:endParaRPr b="0" lang="en-US" sz="3200" spc="-1" strike="noStrike">
+              <a:latin typeface="Arial"/>
+            </a:endParaRPr>
+          </a:p>
+        </p:txBody>
+      </p:sp>
+    </p:spTree>
+  </p:cSld>
+  <p:timing>
+    <p:tnLst>
+      <p:par>
+        <p:cTn id="11" dur="indefinite" restart="never" nodeType="tmRoot">
+          <p:childTnLst>
+            <p:seq>
+              <p:cTn id="12" dur="indefinite" nodeType="mainSeq"/>
+              <p:prevCondLst>
+                <p:cond delay="0" evt="onPrev">
+                  <p:tgtEl>
+                    <p:sldTgt/>
+                  </p:tgtEl>
+                </p:cond>
+              </p:prevCondLst>
+              <p:nextCondLst>
+                <p:cond delay="0" evt="onNext">
+                  <p:tgtEl>
+                    <p:sldTgt/>
+                  </p:tgtEl>
+                </p:cond>
+              </p:nextCondLst>
+            </p:seq>
+          </p:childTnLst>
+        </p:cTn>
+      </p:par>
+    </p:tnLst>
+  </p:timing>
+</p:sld>
+</file>
+
+<file path=ppt/slides/slide7.xml><?xml version="1.0" encoding="utf-8"?>
+<p:sld xmlns:a="http://schemas.openxmlformats.org/drawingml/2006/main" xmlns:p="http://schemas.openxmlformats.org/presentationml/2006/main" xmlns:r="http://schemas.openxmlformats.org/officeDocument/2006/relationships" xmlns:p14="http://schemas.microsoft.com/office/powerpoint/2010/main" xmlns:p15="http://schemas.microsoft.com/office/powerpoint/2012/main" xmlns:mc="http://schemas.openxmlformats.org/markup-compatibility/2006">
+  <p:cSld>
+    <p:spTree>
+      <p:nvGrpSpPr>
+        <p:cNvPr id="1" name=""/>
+        <p:cNvGrpSpPr/>
+        <p:nvPr/>
+      </p:nvGrpSpPr>
+      <p:grpSpPr>
+        <a:xfrm>
+          <a:off x="0" y="0"/>
+          <a:ext cx="0" cy="0"/>
+          <a:chOff x="0" y="0"/>
+          <a:chExt cx="0" cy="0"/>
+        </a:xfrm>
+      </p:grpSpPr>
+      <p:sp>
+        <p:nvSpPr>
+          <p:cNvPr id="94" name="TextShape 1"/>
+          <p:cNvSpPr txBox="1"/>
+          <p:nvPr/>
+        </p:nvSpPr>
+        <p:spPr>
+          <a:xfrm>
+            <a:off x="504000" y="301320"/>
+            <a:ext cx="9071640" cy="1262160"/>
+          </a:xfrm>
+          <a:prstGeom prst="rect">
+            <a:avLst/>
+          </a:prstGeom>
+          <a:solidFill>
+            <a:srgbClr val="ffffff">
+              <a:alpha val="50000"/>
+            </a:srgbClr>
+          </a:solidFill>
+          <a:ln>
+            <a:noFill/>
+          </a:ln>
+        </p:spPr>
+        <p:txBody>
+          <a:bodyPr lIns="0" rIns="0" tIns="0" bIns="0" anchor="ctr"/>
+          <a:p>
+            <a:pPr algn="ctr"/>
+            <a:r>
+              <a:rPr b="0" lang="en-US" sz="4400" spc="-1" strike="noStrike">
+                <a:latin typeface="Arial"/>
+              </a:rPr>
+              <a:t>Future work</a:t>
+            </a:r>
+            <a:endParaRPr b="0" lang="en-US" sz="4400" spc="-1" strike="noStrike">
+              <a:latin typeface="Arial"/>
+            </a:endParaRPr>
+          </a:p>
+        </p:txBody>
+      </p:sp>
+      <p:sp>
+        <p:nvSpPr>
+          <p:cNvPr id="95" name="TextShape 2"/>
+          <p:cNvSpPr txBox="1"/>
+          <p:nvPr/>
+        </p:nvSpPr>
+        <p:spPr>
+          <a:xfrm>
+            <a:off x="504000" y="1769040"/>
+            <a:ext cx="9071640" cy="4854960"/>
+          </a:xfrm>
+          <a:prstGeom prst="rect">
+            <a:avLst/>
+          </a:prstGeom>
+          <a:solidFill>
+            <a:srgbClr val="ffffff">
+              <a:alpha val="50000"/>
+            </a:srgbClr>
+          </a:solidFill>
+          <a:ln>
+            <a:noFill/>
+          </a:ln>
+        </p:spPr>
+        <p:txBody>
+          <a:bodyPr lIns="0" rIns="0" tIns="0" bIns="0">
+            <a:normAutofit/>
+          </a:bodyPr>
+          <a:p>
+            <a:pPr marL="432000" indent="-324000">
+              <a:spcAft>
+                <a:spcPts val="1417"/>
+              </a:spcAft>
+              <a:buClr>
+                <a:srgbClr val="000000"/>
+              </a:buClr>
+              <a:buSzPct val="45000"/>
+              <a:buFont typeface="Wingdings" charset="2"/>
+              <a:buChar char=""/>
+            </a:pPr>
+            <a:r>
+              <a:rPr b="0" lang="en-US" sz="3200" spc="-1" strike="noStrike">
+                <a:latin typeface="Arial"/>
+              </a:rPr>
+              <a:t>Animated background image</a:t>
+            </a:r>
+            <a:endParaRPr b="0" lang="en-US" sz="3200" spc="-1" strike="noStrike">
+              <a:latin typeface="Arial"/>
+            </a:endParaRPr>
+          </a:p>
+          <a:p>
+            <a:pPr marL="432000" indent="-324000">
+              <a:spcAft>
+                <a:spcPts val="1417"/>
+              </a:spcAft>
+              <a:buClr>
+                <a:srgbClr val="000000"/>
+              </a:buClr>
+              <a:buSzPct val="45000"/>
+              <a:buFont typeface="Wingdings" charset="2"/>
+              <a:buChar char=""/>
+            </a:pPr>
+            <a:endParaRPr b="0" lang="en-US" sz="3200" spc="-1" strike="noStrike">
+              <a:latin typeface="Arial"/>
+            </a:endParaRPr>
+          </a:p>
+          <a:p>
+            <a:pPr marL="432000" indent="-324000">
+              <a:spcAft>
+                <a:spcPts val="1417"/>
+              </a:spcAft>
+              <a:buClr>
+                <a:srgbClr val="000000"/>
+              </a:buClr>
+              <a:buSzPct val="45000"/>
+              <a:buFont typeface="Wingdings" charset="2"/>
+              <a:buChar char=""/>
+            </a:pPr>
+            <a:endParaRPr b="0" lang="en-US" sz="3200" spc="-1" strike="noStrike">
+              <a:latin typeface="Arial"/>
+            </a:endParaRPr>
+          </a:p>
+        </p:txBody>
+      </p:sp>
+    </p:spTree>
+  </p:cSld>
+  <p:timing>
+    <p:tnLst>
+      <p:par>
+        <p:cTn id="13" dur="indefinite" restart="never" nodeType="tmRoot">
+          <p:childTnLst>
+            <p:seq>
+              <p:cTn id="14" dur="indefinite" nodeType="mainSeq"/>
+              <p:prevCondLst>
+                <p:cond delay="0" evt="onPrev">
+                  <p:tgtEl>
+                    <p:sldTgt/>
+                  </p:tgtEl>
+                </p:cond>
+              </p:prevCondLst>
+              <p:nextCondLst>
+                <p:cond delay="0" evt="onNext">
+                  <p:tgtEl>
+                    <p:sldTgt/>
+                  </p:tgtEl>
+                </p:cond>
+              </p:nextCondLst>
+            </p:seq>
+          </p:childTnLst>
+        </p:cTn>
+      </p:par>
+    </p:tnLst>
+  </p:timing>
+</p:sld>
+</file>
+
+<file path=ppt/slides/slide8.xml><?xml version="1.0" encoding="utf-8"?>
+<p:sld xmlns:a="http://schemas.openxmlformats.org/drawingml/2006/main" xmlns:p="http://schemas.openxmlformats.org/presentationml/2006/main" xmlns:r="http://schemas.openxmlformats.org/officeDocument/2006/relationships" xmlns:p14="http://schemas.microsoft.com/office/powerpoint/2010/main" xmlns:p15="http://schemas.microsoft.com/office/powerpoint/2012/main" xmlns:mc="http://schemas.openxmlformats.org/markup-compatibility/2006">
+  <p:cSld>
+    <p:spTree>
+      <p:nvGrpSpPr>
+        <p:cNvPr id="1" name=""/>
+        <p:cNvGrpSpPr/>
+        <p:nvPr/>
+      </p:nvGrpSpPr>
+      <p:grpSpPr>
+        <a:xfrm>
+          <a:off x="0" y="0"/>
+          <a:ext cx="0" cy="0"/>
+          <a:chOff x="0" y="0"/>
+          <a:chExt cx="0" cy="0"/>
+        </a:xfrm>
+      </p:grpSpPr>
+      <p:sp>
+        <p:nvSpPr>
+          <p:cNvPr id="96" name="TextShape 1"/>
+          <p:cNvSpPr txBox="1"/>
+          <p:nvPr/>
+        </p:nvSpPr>
+        <p:spPr>
+          <a:xfrm>
+            <a:off x="504000" y="337320"/>
+            <a:ext cx="9071640" cy="1262160"/>
+          </a:xfrm>
+          <a:prstGeom prst="rect">
+            <a:avLst/>
+          </a:prstGeom>
+          <a:solidFill>
+            <a:srgbClr val="ffffff">
+              <a:alpha val="50000"/>
+            </a:srgbClr>
+          </a:solidFill>
+          <a:ln>
+            <a:noFill/>
+          </a:ln>
+        </p:spPr>
+        <p:txBody>
+          <a:bodyPr lIns="0" rIns="0" tIns="0" bIns="0" anchor="ctr"/>
+          <a:p>
+            <a:pPr algn="ctr"/>
+            <a:r>
+              <a:rPr b="0" lang="en-US" sz="4400" spc="-1" strike="noStrike">
+                <a:latin typeface="Arial"/>
+              </a:rPr>
+              <a:t>Demo</a:t>
+            </a:r>
+            <a:endParaRPr b="0" lang="en-US" sz="4400" spc="-1" strike="noStrike">
+              <a:latin typeface="Arial"/>
+            </a:endParaRPr>
+          </a:p>
+        </p:txBody>
+      </p:sp>
+      <p:sp>
+        <p:nvSpPr>
+          <p:cNvPr id="97" name="TextShape 2"/>
+          <p:cNvSpPr txBox="1"/>
+          <p:nvPr/>
+        </p:nvSpPr>
+        <p:spPr>
+          <a:xfrm>
+            <a:off x="457200" y="1769040"/>
+            <a:ext cx="9071640" cy="4854960"/>
+          </a:xfrm>
+          <a:prstGeom prst="rect">
+            <a:avLst/>
+          </a:prstGeom>
+          <a:solidFill>
+            <a:srgbClr val="ffffff">
+              <a:alpha val="50000"/>
+            </a:srgbClr>
+          </a:solidFill>
+          <a:ln>
+            <a:noFill/>
+          </a:ln>
+        </p:spPr>
+        <p:txBody>
+          <a:bodyPr lIns="0" rIns="0" tIns="0" bIns="0">
+            <a:normAutofit/>
+          </a:bodyPr>
+          <a:p>
+            <a:endParaRPr b="0" lang="en-US" sz="3200" spc="-1" strike="noStrike">
+              <a:latin typeface="Arial"/>
+            </a:endParaRPr>
+          </a:p>
+        </p:txBody>
+      </p:sp>
+      <p:pic>
+        <p:nvPicPr>
+          <p:cNvPr id="98" name="" descr=""/>
+          <p:cNvPicPr/>
+          <p:nvPr/>
+        </p:nvPicPr>
+        <p:blipFill>
+          <a:blip r:embed="rId1"/>
+          <a:stretch/>
+        </p:blipFill>
+        <p:spPr>
+          <a:xfrm>
+            <a:off x="457200" y="1751760"/>
+            <a:ext cx="9071640" cy="4872240"/>
+          </a:xfrm>
+          <a:prstGeom prst="rect">
+            <a:avLst/>
+          </a:prstGeom>
+          <a:ln>
+            <a:noFill/>
+          </a:ln>
+        </p:spPr>
+      </p:pic>
+    </p:spTree>
+  </p:cSld>
+  <p:timing>
+    <p:tnLst>
+      <p:par>
+        <p:cTn id="15" dur="indefinite" restart="never" nodeType="tmRoot">
+          <p:childTnLst>
+            <p:seq>
+              <p:cTn id="16" dur="indefinite" nodeType="mainSeq"/>
+              <p:prevCondLst>
+                <p:cond delay="0" evt="onPrev">
+                  <p:tgtEl>
+                    <p:sldTgt/>
+                  </p:tgtEl>
+                </p:cond>
+              </p:prevCondLst>
+              <p:nextCondLst>
+                <p:cond delay="0" evt="onNext">
+                  <p:tgtEl>
+                    <p:sldTgt/>
+                  </p:tgtEl>
+                </p:cond>
+              </p:nextCondLst>
+            </p:seq>
+          </p:childTnLst>
+        </p:cTn>
+      </p:par>
+    </p:tnLst>
+  </p:timing>
+</p:sld>
+</file>
+
+<file path=ppt/slides/slide9.xml><?xml version="1.0" encoding="utf-8"?>
+<p:sld xmlns:a="http://schemas.openxmlformats.org/drawingml/2006/main" xmlns:p="http://schemas.openxmlformats.org/presentationml/2006/main" xmlns:r="http://schemas.openxmlformats.org/officeDocument/2006/relationships" xmlns:p14="http://schemas.microsoft.com/office/powerpoint/2010/main" xmlns:p15="http://schemas.microsoft.com/office/powerpoint/2012/main" xmlns:mc="http://schemas.openxmlformats.org/markup-compatibility/2006">
+  <p:cSld>
+    <p:spTree>
+      <p:nvGrpSpPr>
+        <p:cNvPr id="1" name=""/>
+        <p:cNvGrpSpPr/>
+        <p:nvPr/>
+      </p:nvGrpSpPr>
+      <p:grpSpPr>
+        <a:xfrm>
+          <a:off x="0" y="0"/>
+          <a:ext cx="0" cy="0"/>
+          <a:chOff x="0" y="0"/>
+          <a:chExt cx="0" cy="0"/>
+        </a:xfrm>
+      </p:grpSpPr>
+      <p:sp>
+        <p:nvSpPr>
+          <p:cNvPr id="99" name="TextShape 1"/>
+          <p:cNvSpPr txBox="1"/>
+          <p:nvPr/>
+        </p:nvSpPr>
+        <p:spPr>
+          <a:xfrm>
+            <a:off x="504000" y="301320"/>
+            <a:ext cx="9071640" cy="978840"/>
+          </a:xfrm>
+          <a:prstGeom prst="rect">
+            <a:avLst/>
+          </a:prstGeom>
+          <a:solidFill>
+            <a:srgbClr val="ffffff">
+              <a:alpha val="50000"/>
+            </a:srgbClr>
+          </a:solidFill>
+          <a:ln>
+            <a:noFill/>
+          </a:ln>
+        </p:spPr>
+        <p:txBody>
+          <a:bodyPr lIns="0" rIns="0" tIns="0" bIns="0" anchor="ctr"/>
+          <a:p>
+            <a:pPr algn="ctr"/>
+            <a:endParaRPr b="0" lang="en-US" sz="4400" spc="-1" strike="noStrike">
+              <a:latin typeface="Arial"/>
+            </a:endParaRPr>
+          </a:p>
+        </p:txBody>
+      </p:sp>
+      <p:pic>
+        <p:nvPicPr>
+          <p:cNvPr id="100" name="" descr=""/>
+          <p:cNvPicPr/>
+          <p:nvPr/>
+        </p:nvPicPr>
+        <p:blipFill>
+          <a:blip r:embed="rId1"/>
+          <a:stretch/>
+        </p:blipFill>
+        <p:spPr>
+          <a:xfrm>
+            <a:off x="493560" y="1413360"/>
+            <a:ext cx="9082080" cy="5210640"/>
+          </a:xfrm>
+          <a:prstGeom prst="rect">
+            <a:avLst/>
+          </a:prstGeom>
+          <a:ln>
+            <a:noFill/>
+          </a:ln>
+        </p:spPr>
+      </p:pic>
+    </p:spTree>
+  </p:cSld>
+  <p:timing>
+    <p:tnLst>
+      <p:par>
+        <p:cTn id="17" dur="indefinite" restart="never" nodeType="tmRoot">
+          <p:childTnLst>
+            <p:seq>
+              <p:cTn id="18" dur="indefinite" nodeType="mainSeq"/>
               <p:prevCondLst>
                 <p:cond delay="0" evt="onPrev">
                   <p:tgtEl>
